--- a/Presentations/Game Design Masterclass Presentation One.pptx
+++ b/Presentations/Game Design Masterclass Presentation One.pptx
@@ -115,7 +115,7 @@
   </p:defaultTextStyle>
   <p:extLst>
     <p:ext uri="{EFAFB233-063F-42B5-8137-9DF3F51BA10A}">
-      <p15:sldGuideLst xmlns:p15="http://schemas.microsoft.com/office/powerpoint/2012/main"/>
+      <p15:sldGuideLst xmlns:p15="http://schemas.microsoft.com/office/powerpoint/2012/main" xmlns=""/>
     </p:ext>
   </p:extLst>
 </p:presentation>
@@ -256,7 +256,8 @@
           <a:p>
             <a:fld id="{FCE087FE-7CB6-4BC5-91FA-808555A47092}" type="datetimeFigureOut">
               <a:rPr lang="en-GB" smtClean="0"/>
-              <a:t>06/02/2018</a:t>
+              <a:pPr/>
+              <a:t>07/02/2018</a:t>
             </a:fld>
             <a:endParaRPr lang="en-GB"/>
           </a:p>
@@ -298,6 +299,7 @@
           <a:p>
             <a:fld id="{24147FD7-0A02-4E59-A499-A17C3B7E5CA5}" type="slidenum">
               <a:rPr lang="en-GB" smtClean="0"/>
+              <a:pPr/>
               <a:t>‹#›</a:t>
             </a:fld>
             <a:endParaRPr lang="en-GB"/>
@@ -307,7 +309,7 @@
     </p:spTree>
     <p:extLst>
       <p:ext uri="{BB962C8B-B14F-4D97-AF65-F5344CB8AC3E}">
-        <p14:creationId xmlns:p14="http://schemas.microsoft.com/office/powerpoint/2010/main" val="3957570573"/>
+        <p14:creationId xmlns:p14="http://schemas.microsoft.com/office/powerpoint/2010/main" xmlns="" val="3957570573"/>
       </p:ext>
     </p:extLst>
   </p:cSld>
@@ -426,7 +428,8 @@
           <a:p>
             <a:fld id="{FCE087FE-7CB6-4BC5-91FA-808555A47092}" type="datetimeFigureOut">
               <a:rPr lang="en-GB" smtClean="0"/>
-              <a:t>06/02/2018</a:t>
+              <a:pPr/>
+              <a:t>07/02/2018</a:t>
             </a:fld>
             <a:endParaRPr lang="en-GB"/>
           </a:p>
@@ -468,6 +471,7 @@
           <a:p>
             <a:fld id="{24147FD7-0A02-4E59-A499-A17C3B7E5CA5}" type="slidenum">
               <a:rPr lang="en-GB" smtClean="0"/>
+              <a:pPr/>
               <a:t>‹#›</a:t>
             </a:fld>
             <a:endParaRPr lang="en-GB"/>
@@ -477,7 +481,7 @@
     </p:spTree>
     <p:extLst>
       <p:ext uri="{BB962C8B-B14F-4D97-AF65-F5344CB8AC3E}">
-        <p14:creationId xmlns:p14="http://schemas.microsoft.com/office/powerpoint/2010/main" val="1312545049"/>
+        <p14:creationId xmlns:p14="http://schemas.microsoft.com/office/powerpoint/2010/main" xmlns="" val="1312545049"/>
       </p:ext>
     </p:extLst>
   </p:cSld>
@@ -606,7 +610,8 @@
           <a:p>
             <a:fld id="{FCE087FE-7CB6-4BC5-91FA-808555A47092}" type="datetimeFigureOut">
               <a:rPr lang="en-GB" smtClean="0"/>
-              <a:t>06/02/2018</a:t>
+              <a:pPr/>
+              <a:t>07/02/2018</a:t>
             </a:fld>
             <a:endParaRPr lang="en-GB"/>
           </a:p>
@@ -648,6 +653,7 @@
           <a:p>
             <a:fld id="{24147FD7-0A02-4E59-A499-A17C3B7E5CA5}" type="slidenum">
               <a:rPr lang="en-GB" smtClean="0"/>
+              <a:pPr/>
               <a:t>‹#›</a:t>
             </a:fld>
             <a:endParaRPr lang="en-GB"/>
@@ -657,7 +663,7 @@
     </p:spTree>
     <p:extLst>
       <p:ext uri="{BB962C8B-B14F-4D97-AF65-F5344CB8AC3E}">
-        <p14:creationId xmlns:p14="http://schemas.microsoft.com/office/powerpoint/2010/main" val="2246898406"/>
+        <p14:creationId xmlns:p14="http://schemas.microsoft.com/office/powerpoint/2010/main" xmlns="" val="2246898406"/>
       </p:ext>
     </p:extLst>
   </p:cSld>
@@ -776,7 +782,8 @@
           <a:p>
             <a:fld id="{FCE087FE-7CB6-4BC5-91FA-808555A47092}" type="datetimeFigureOut">
               <a:rPr lang="en-GB" smtClean="0"/>
-              <a:t>06/02/2018</a:t>
+              <a:pPr/>
+              <a:t>07/02/2018</a:t>
             </a:fld>
             <a:endParaRPr lang="en-GB"/>
           </a:p>
@@ -818,6 +825,7 @@
           <a:p>
             <a:fld id="{24147FD7-0A02-4E59-A499-A17C3B7E5CA5}" type="slidenum">
               <a:rPr lang="en-GB" smtClean="0"/>
+              <a:pPr/>
               <a:t>‹#›</a:t>
             </a:fld>
             <a:endParaRPr lang="en-GB"/>
@@ -827,7 +835,7 @@
     </p:spTree>
     <p:extLst>
       <p:ext uri="{BB962C8B-B14F-4D97-AF65-F5344CB8AC3E}">
-        <p14:creationId xmlns:p14="http://schemas.microsoft.com/office/powerpoint/2010/main" val="3617393785"/>
+        <p14:creationId xmlns:p14="http://schemas.microsoft.com/office/powerpoint/2010/main" xmlns="" val="3617393785"/>
       </p:ext>
     </p:extLst>
   </p:cSld>
@@ -1022,7 +1030,8 @@
           <a:p>
             <a:fld id="{FCE087FE-7CB6-4BC5-91FA-808555A47092}" type="datetimeFigureOut">
               <a:rPr lang="en-GB" smtClean="0"/>
-              <a:t>06/02/2018</a:t>
+              <a:pPr/>
+              <a:t>07/02/2018</a:t>
             </a:fld>
             <a:endParaRPr lang="en-GB"/>
           </a:p>
@@ -1064,6 +1073,7 @@
           <a:p>
             <a:fld id="{24147FD7-0A02-4E59-A499-A17C3B7E5CA5}" type="slidenum">
               <a:rPr lang="en-GB" smtClean="0"/>
+              <a:pPr/>
               <a:t>‹#›</a:t>
             </a:fld>
             <a:endParaRPr lang="en-GB"/>
@@ -1073,7 +1083,7 @@
     </p:spTree>
     <p:extLst>
       <p:ext uri="{BB962C8B-B14F-4D97-AF65-F5344CB8AC3E}">
-        <p14:creationId xmlns:p14="http://schemas.microsoft.com/office/powerpoint/2010/main" val="3720026719"/>
+        <p14:creationId xmlns:p14="http://schemas.microsoft.com/office/powerpoint/2010/main" xmlns="" val="3720026719"/>
       </p:ext>
     </p:extLst>
   </p:cSld>
@@ -1254,7 +1264,8 @@
           <a:p>
             <a:fld id="{FCE087FE-7CB6-4BC5-91FA-808555A47092}" type="datetimeFigureOut">
               <a:rPr lang="en-GB" smtClean="0"/>
-              <a:t>06/02/2018</a:t>
+              <a:pPr/>
+              <a:t>07/02/2018</a:t>
             </a:fld>
             <a:endParaRPr lang="en-GB"/>
           </a:p>
@@ -1296,6 +1307,7 @@
           <a:p>
             <a:fld id="{24147FD7-0A02-4E59-A499-A17C3B7E5CA5}" type="slidenum">
               <a:rPr lang="en-GB" smtClean="0"/>
+              <a:pPr/>
               <a:t>‹#›</a:t>
             </a:fld>
             <a:endParaRPr lang="en-GB"/>
@@ -1305,7 +1317,7 @@
     </p:spTree>
     <p:extLst>
       <p:ext uri="{BB962C8B-B14F-4D97-AF65-F5344CB8AC3E}">
-        <p14:creationId xmlns:p14="http://schemas.microsoft.com/office/powerpoint/2010/main" val="112203854"/>
+        <p14:creationId xmlns:p14="http://schemas.microsoft.com/office/powerpoint/2010/main" xmlns="" val="112203854"/>
       </p:ext>
     </p:extLst>
   </p:cSld>
@@ -1621,7 +1633,8 @@
           <a:p>
             <a:fld id="{FCE087FE-7CB6-4BC5-91FA-808555A47092}" type="datetimeFigureOut">
               <a:rPr lang="en-GB" smtClean="0"/>
-              <a:t>06/02/2018</a:t>
+              <a:pPr/>
+              <a:t>07/02/2018</a:t>
             </a:fld>
             <a:endParaRPr lang="en-GB"/>
           </a:p>
@@ -1663,6 +1676,7 @@
           <a:p>
             <a:fld id="{24147FD7-0A02-4E59-A499-A17C3B7E5CA5}" type="slidenum">
               <a:rPr lang="en-GB" smtClean="0"/>
+              <a:pPr/>
               <a:t>‹#›</a:t>
             </a:fld>
             <a:endParaRPr lang="en-GB"/>
@@ -1672,7 +1686,7 @@
     </p:spTree>
     <p:extLst>
       <p:ext uri="{BB962C8B-B14F-4D97-AF65-F5344CB8AC3E}">
-        <p14:creationId xmlns:p14="http://schemas.microsoft.com/office/powerpoint/2010/main" val="1474216027"/>
+        <p14:creationId xmlns:p14="http://schemas.microsoft.com/office/powerpoint/2010/main" xmlns="" val="1474216027"/>
       </p:ext>
     </p:extLst>
   </p:cSld>
@@ -1739,7 +1753,8 @@
           <a:p>
             <a:fld id="{FCE087FE-7CB6-4BC5-91FA-808555A47092}" type="datetimeFigureOut">
               <a:rPr lang="en-GB" smtClean="0"/>
-              <a:t>06/02/2018</a:t>
+              <a:pPr/>
+              <a:t>07/02/2018</a:t>
             </a:fld>
             <a:endParaRPr lang="en-GB"/>
           </a:p>
@@ -1781,6 +1796,7 @@
           <a:p>
             <a:fld id="{24147FD7-0A02-4E59-A499-A17C3B7E5CA5}" type="slidenum">
               <a:rPr lang="en-GB" smtClean="0"/>
+              <a:pPr/>
               <a:t>‹#›</a:t>
             </a:fld>
             <a:endParaRPr lang="en-GB"/>
@@ -1790,7 +1806,7 @@
     </p:spTree>
     <p:extLst>
       <p:ext uri="{BB962C8B-B14F-4D97-AF65-F5344CB8AC3E}">
-        <p14:creationId xmlns:p14="http://schemas.microsoft.com/office/powerpoint/2010/main" val="1889641862"/>
+        <p14:creationId xmlns:p14="http://schemas.microsoft.com/office/powerpoint/2010/main" xmlns="" val="1889641862"/>
       </p:ext>
     </p:extLst>
   </p:cSld>
@@ -1834,7 +1850,8 @@
           <a:p>
             <a:fld id="{FCE087FE-7CB6-4BC5-91FA-808555A47092}" type="datetimeFigureOut">
               <a:rPr lang="en-GB" smtClean="0"/>
-              <a:t>06/02/2018</a:t>
+              <a:pPr/>
+              <a:t>07/02/2018</a:t>
             </a:fld>
             <a:endParaRPr lang="en-GB"/>
           </a:p>
@@ -1876,6 +1893,7 @@
           <a:p>
             <a:fld id="{24147FD7-0A02-4E59-A499-A17C3B7E5CA5}" type="slidenum">
               <a:rPr lang="en-GB" smtClean="0"/>
+              <a:pPr/>
               <a:t>‹#›</a:t>
             </a:fld>
             <a:endParaRPr lang="en-GB"/>
@@ -1885,7 +1903,7 @@
     </p:spTree>
     <p:extLst>
       <p:ext uri="{BB962C8B-B14F-4D97-AF65-F5344CB8AC3E}">
-        <p14:creationId xmlns:p14="http://schemas.microsoft.com/office/powerpoint/2010/main" val="487058263"/>
+        <p14:creationId xmlns:p14="http://schemas.microsoft.com/office/powerpoint/2010/main" xmlns="" val="487058263"/>
       </p:ext>
     </p:extLst>
   </p:cSld>
@@ -2111,7 +2129,8 @@
           <a:p>
             <a:fld id="{FCE087FE-7CB6-4BC5-91FA-808555A47092}" type="datetimeFigureOut">
               <a:rPr lang="en-GB" smtClean="0"/>
-              <a:t>06/02/2018</a:t>
+              <a:pPr/>
+              <a:t>07/02/2018</a:t>
             </a:fld>
             <a:endParaRPr lang="en-GB"/>
           </a:p>
@@ -2153,6 +2172,7 @@
           <a:p>
             <a:fld id="{24147FD7-0A02-4E59-A499-A17C3B7E5CA5}" type="slidenum">
               <a:rPr lang="en-GB" smtClean="0"/>
+              <a:pPr/>
               <a:t>‹#›</a:t>
             </a:fld>
             <a:endParaRPr lang="en-GB"/>
@@ -2162,7 +2182,7 @@
     </p:spTree>
     <p:extLst>
       <p:ext uri="{BB962C8B-B14F-4D97-AF65-F5344CB8AC3E}">
-        <p14:creationId xmlns:p14="http://schemas.microsoft.com/office/powerpoint/2010/main" val="2085912032"/>
+        <p14:creationId xmlns:p14="http://schemas.microsoft.com/office/powerpoint/2010/main" xmlns="" val="2085912032"/>
       </p:ext>
     </p:extLst>
   </p:cSld>
@@ -2364,7 +2384,8 @@
           <a:p>
             <a:fld id="{FCE087FE-7CB6-4BC5-91FA-808555A47092}" type="datetimeFigureOut">
               <a:rPr lang="en-GB" smtClean="0"/>
-              <a:t>06/02/2018</a:t>
+              <a:pPr/>
+              <a:t>07/02/2018</a:t>
             </a:fld>
             <a:endParaRPr lang="en-GB"/>
           </a:p>
@@ -2406,6 +2427,7 @@
           <a:p>
             <a:fld id="{24147FD7-0A02-4E59-A499-A17C3B7E5CA5}" type="slidenum">
               <a:rPr lang="en-GB" smtClean="0"/>
+              <a:pPr/>
               <a:t>‹#›</a:t>
             </a:fld>
             <a:endParaRPr lang="en-GB"/>
@@ -2415,7 +2437,7 @@
     </p:spTree>
     <p:extLst>
       <p:ext uri="{BB962C8B-B14F-4D97-AF65-F5344CB8AC3E}">
-        <p14:creationId xmlns:p14="http://schemas.microsoft.com/office/powerpoint/2010/main" val="2737819853"/>
+        <p14:creationId xmlns:p14="http://schemas.microsoft.com/office/powerpoint/2010/main" xmlns="" val="2737819853"/>
       </p:ext>
     </p:extLst>
   </p:cSld>
@@ -2577,7 +2599,8 @@
           <a:p>
             <a:fld id="{FCE087FE-7CB6-4BC5-91FA-808555A47092}" type="datetimeFigureOut">
               <a:rPr lang="en-GB" smtClean="0"/>
-              <a:t>06/02/2018</a:t>
+              <a:pPr/>
+              <a:t>07/02/2018</a:t>
             </a:fld>
             <a:endParaRPr lang="en-GB"/>
           </a:p>
@@ -2655,6 +2678,7 @@
           <a:p>
             <a:fld id="{24147FD7-0A02-4E59-A499-A17C3B7E5CA5}" type="slidenum">
               <a:rPr lang="en-GB" smtClean="0"/>
+              <a:pPr/>
               <a:t>‹#›</a:t>
             </a:fld>
             <a:endParaRPr lang="en-GB"/>
@@ -2664,7 +2688,7 @@
     </p:spTree>
     <p:extLst>
       <p:ext uri="{BB962C8B-B14F-4D97-AF65-F5344CB8AC3E}">
-        <p14:creationId xmlns:p14="http://schemas.microsoft.com/office/powerpoint/2010/main" val="3773937116"/>
+        <p14:creationId xmlns:p14="http://schemas.microsoft.com/office/powerpoint/2010/main" xmlns="" val="3773937116"/>
       </p:ext>
     </p:extLst>
   </p:cSld>
@@ -2999,8 +3023,13 @@
           <a:p>
             <a:r>
               <a:rPr lang="en-GB" dirty="0"/>
-              <a:t>Game Design Masterclass</a:t>
-            </a:r>
+              <a:t>Game Design </a:t>
+            </a:r>
+            <a:r>
+              <a:rPr lang="en-GB" dirty="0" smtClean="0"/>
+              <a:t>Masterclass Group 9</a:t>
+            </a:r>
+            <a:endParaRPr lang="en-GB" dirty="0"/>
           </a:p>
         </p:txBody>
       </p:sp>
@@ -3024,33 +3053,16 @@
           <a:bodyPr/>
           <a:lstStyle/>
           <a:p>
+            <a:endParaRPr lang="en-GB" dirty="0" smtClean="0"/>
+          </a:p>
+          <a:p>
+            <a:r>
+              <a:rPr lang="en-GB" dirty="0" smtClean="0"/>
+              <a:t>Douglas </a:t>
+            </a:r>
             <a:r>
               <a:rPr lang="en-GB" dirty="0"/>
-              <a:t>Group 9: Douglas Simpson, Thomas Simmons, </a:t>
-            </a:r>
-            <a:r>
-              <a:rPr lang="en-GB" dirty="0" err="1"/>
-              <a:t>Quwaine</a:t>
-            </a:r>
-            <a:r>
-              <a:rPr lang="en-GB" dirty="0"/>
-              <a:t> </a:t>
-            </a:r>
-            <a:r>
-              <a:rPr lang="en-GB" dirty="0" err="1"/>
-              <a:t>Dantes</a:t>
-            </a:r>
-            <a:r>
-              <a:rPr lang="en-GB" dirty="0"/>
-              <a:t>, </a:t>
-            </a:r>
-            <a:r>
-              <a:rPr lang="en-GB" dirty="0" err="1"/>
-              <a:t>Callam</a:t>
-            </a:r>
-            <a:r>
-              <a:rPr lang="en-GB" dirty="0"/>
-              <a:t> Mutton</a:t>
+              <a:t>Simpson, Thomas Simmons, Quwaine Dantes, Callam Mutton</a:t>
             </a:r>
           </a:p>
         </p:txBody>
@@ -3058,13 +3070,20 @@
     </p:spTree>
     <p:extLst>
       <p:ext uri="{BB962C8B-B14F-4D97-AF65-F5344CB8AC3E}">
-        <p14:creationId xmlns:p14="http://schemas.microsoft.com/office/powerpoint/2010/main" val="3711615292"/>
+        <p14:creationId xmlns:p14="http://schemas.microsoft.com/office/powerpoint/2010/main" xmlns="" val="3711615292"/>
       </p:ext>
     </p:extLst>
   </p:cSld>
   <p:clrMapOvr>
     <a:masterClrMapping/>
   </p:clrMapOvr>
+  <p:timing>
+    <p:tnLst>
+      <p:par>
+        <p:cTn id="1" dur="indefinite" restart="never" nodeType="tmRoot"/>
+      </p:par>
+    </p:tnLst>
+  </p:timing>
 </p:sld>
 </file>
 
@@ -3090,7 +3109,7 @@
           <p:cNvPr id="2" name="Title 1">
             <a:extLst>
               <a:ext uri="{FF2B5EF4-FFF2-40B4-BE49-F238E27FC236}">
-                <a16:creationId xmlns:a16="http://schemas.microsoft.com/office/drawing/2014/main" id="{A737D502-CE5A-4C6D-975C-1E0A98367C24}"/>
+                <a16:creationId xmlns:a16="http://schemas.microsoft.com/office/drawing/2014/main" xmlns="" id="{A737D502-CE5A-4C6D-975C-1E0A98367C24}"/>
               </a:ext>
             </a:extLst>
           </p:cNvPr>
@@ -3113,41 +3132,23 @@
           </a:p>
         </p:txBody>
       </p:sp>
-      <p:sp>
-        <p:nvSpPr>
-          <p:cNvPr id="3" name="Content Placeholder 2">
-            <a:extLst>
-              <a:ext uri="{FF2B5EF4-FFF2-40B4-BE49-F238E27FC236}">
-                <a16:creationId xmlns:a16="http://schemas.microsoft.com/office/drawing/2014/main" id="{A41ED942-62FA-4DC6-BE7B-00604972CA65}"/>
-              </a:ext>
-            </a:extLst>
-          </p:cNvPr>
-          <p:cNvSpPr>
-            <a:spLocks noGrp="1"/>
-          </p:cNvSpPr>
-          <p:nvPr>
-            <p:ph idx="1"/>
-          </p:nvPr>
-        </p:nvSpPr>
-        <p:spPr/>
-        <p:txBody>
-          <a:bodyPr/>
-          <a:lstStyle/>
-          <a:p>
-            <a:endParaRPr lang="en-GB"/>
-          </a:p>
-        </p:txBody>
-      </p:sp>
     </p:spTree>
     <p:extLst>
       <p:ext uri="{BB962C8B-B14F-4D97-AF65-F5344CB8AC3E}">
-        <p14:creationId xmlns:p14="http://schemas.microsoft.com/office/powerpoint/2010/main" val="2590912183"/>
+        <p14:creationId xmlns:p14="http://schemas.microsoft.com/office/powerpoint/2010/main" xmlns="" val="2590912183"/>
       </p:ext>
     </p:extLst>
   </p:cSld>
   <p:clrMapOvr>
     <a:masterClrMapping/>
   </p:clrMapOvr>
+  <p:timing>
+    <p:tnLst>
+      <p:par>
+        <p:cTn id="1" dur="indefinite" restart="never" nodeType="tmRoot"/>
+      </p:par>
+    </p:tnLst>
+  </p:timing>
 </p:sld>
 </file>
 
@@ -3285,13 +3286,20 @@
     </p:spTree>
     <p:extLst>
       <p:ext uri="{BB962C8B-B14F-4D97-AF65-F5344CB8AC3E}">
-        <p14:creationId xmlns:p14="http://schemas.microsoft.com/office/powerpoint/2010/main" val="2784253033"/>
+        <p14:creationId xmlns:p14="http://schemas.microsoft.com/office/powerpoint/2010/main" xmlns="" val="2784253033"/>
       </p:ext>
     </p:extLst>
   </p:cSld>
   <p:clrMapOvr>
     <a:masterClrMapping/>
   </p:clrMapOvr>
+  <p:timing>
+    <p:tnLst>
+      <p:par>
+        <p:cTn id="1" dur="indefinite" restart="never" nodeType="tmRoot"/>
+      </p:par>
+    </p:tnLst>
+  </p:timing>
 </p:sld>
 </file>
 
@@ -3352,7 +3360,7 @@
         <p:spPr>
           <a:xfrm>
             <a:off x="0" y="952500"/>
-            <a:ext cx="11353800" cy="5224463"/>
+            <a:ext cx="9106422" cy="5224463"/>
           </a:xfrm>
         </p:spPr>
         <p:txBody>
@@ -3366,7 +3374,27 @@
             </a:pPr>
             <a:r>
               <a:rPr lang="en-GB" sz="1800" dirty="0"/>
-              <a:t>Having looked at the example games along with several others, we got a few ideas on how many ways a single button input can be used:</a:t>
+              <a:t>Having looked at the example games along with several others, we </a:t>
+            </a:r>
+            <a:r>
+              <a:rPr lang="en-GB" sz="1800" dirty="0" smtClean="0"/>
+              <a:t>gathered some</a:t>
+            </a:r>
+            <a:r>
+              <a:rPr lang="en-GB" sz="1800" dirty="0" smtClean="0"/>
+              <a:t> </a:t>
+            </a:r>
+            <a:r>
+              <a:rPr lang="en-GB" sz="1800" dirty="0"/>
+              <a:t>on </a:t>
+            </a:r>
+            <a:r>
+              <a:rPr lang="en-GB" sz="1800" dirty="0" smtClean="0"/>
+              <a:t>how </a:t>
+            </a:r>
+            <a:r>
+              <a:rPr lang="en-GB" sz="1800" dirty="0"/>
+              <a:t>a single button input can be used:</a:t>
             </a:r>
           </a:p>
           <a:p>
@@ -3381,8 +3409,35 @@
             </a:pPr>
             <a:r>
               <a:rPr lang="en-GB" sz="1800" dirty="0"/>
-              <a:t>One More Line: The button is used as a toggle here. Movement is constant but the direction altered dependant on when the button is pressed and for how long.</a:t>
-            </a:r>
+              <a:t>One More </a:t>
+            </a:r>
+            <a:r>
+              <a:rPr lang="en-GB" sz="1800" dirty="0" smtClean="0"/>
+              <a:t>Line</a:t>
+            </a:r>
+            <a:endParaRPr lang="en-GB" sz="1800" dirty="0" smtClean="0"/>
+          </a:p>
+          <a:p>
+            <a:pPr marL="0" indent="0"/>
+            <a:r>
+              <a:rPr lang="en-GB" sz="1800" dirty="0" smtClean="0"/>
+              <a:t>Uses the tap as a toggle while held</a:t>
+            </a:r>
+          </a:p>
+          <a:p>
+            <a:pPr marL="0" indent="0"/>
+            <a:r>
+              <a:rPr lang="en-GB" sz="1800" dirty="0" smtClean="0"/>
+              <a:t>Holding it causes the user to lock on to something nearby</a:t>
+            </a:r>
+          </a:p>
+          <a:p>
+            <a:pPr marL="0" indent="0"/>
+            <a:r>
+              <a:rPr lang="en-GB" sz="1800" dirty="0" smtClean="0"/>
+              <a:t>This changes their path since they are always moving</a:t>
+            </a:r>
+            <a:endParaRPr lang="en-GB" sz="1800" dirty="0"/>
           </a:p>
           <a:p>
             <a:pPr marL="0" indent="0">
@@ -3400,31 +3455,39 @@
             <a:pPr marL="0" indent="0">
               <a:buNone/>
             </a:pPr>
-            <a:endParaRPr lang="en-GB" sz="1800" dirty="0"/>
-          </a:p>
-          <a:p>
-            <a:pPr marL="0" indent="0">
-              <a:buNone/>
-            </a:pPr>
-            <a:endParaRPr lang="en-GB" sz="1800" dirty="0"/>
-          </a:p>
-          <a:p>
-            <a:pPr marL="0" indent="0">
-              <a:buNone/>
-            </a:pPr>
-            <a:endParaRPr lang="en-GB" sz="1800" dirty="0"/>
-          </a:p>
-          <a:p>
-            <a:pPr marL="0" indent="0">
-              <a:buNone/>
-            </a:pPr>
-            <a:r>
-              <a:rPr lang="en-GB" sz="1800" dirty="0" err="1"/>
-              <a:t>Badland</a:t>
+            <a:r>
+              <a:rPr lang="en-GB" sz="1800" dirty="0" smtClean="0"/>
+              <a:t>Badland </a:t>
             </a:r>
             <a:r>
               <a:rPr lang="en-GB" sz="1800" dirty="0"/>
-              <a:t> / 2: Here, the player falls constantly, something that’s countered when the button is pressed. This can be used to affect the players movement path, with obstacles or puzzles along the way.</a:t>
+              <a:t>/ 2</a:t>
+            </a:r>
+            <a:r>
+              <a:rPr lang="en-GB" sz="1800" dirty="0" smtClean="0"/>
+              <a:t>:</a:t>
+            </a:r>
+          </a:p>
+          <a:p>
+            <a:pPr marL="0" indent="0"/>
+            <a:r>
+              <a:rPr lang="en-GB" sz="1800" dirty="0" smtClean="0"/>
+              <a:t>Uses single taps</a:t>
+            </a:r>
+          </a:p>
+          <a:p>
+            <a:pPr marL="0" indent="0"/>
+            <a:r>
+              <a:rPr lang="en-GB" sz="1800" dirty="0" smtClean="0"/>
+              <a:t>When tapped, the players move upwards, otherwise they fall</a:t>
+            </a:r>
+            <a:endParaRPr lang="en-GB" sz="1800" dirty="0" smtClean="0"/>
+          </a:p>
+          <a:p>
+            <a:pPr marL="0" indent="0"/>
+            <a:r>
+              <a:rPr lang="en-GB" sz="1800" dirty="0" smtClean="0"/>
+              <a:t>Tapping directly counters normal movement</a:t>
             </a:r>
           </a:p>
         </p:txBody>
@@ -3438,14 +3501,14 @@
           <p:nvPr/>
         </p:nvPicPr>
         <p:blipFill rotWithShape="1">
-          <a:blip r:embed="rId2"/>
+          <a:blip r:embed="rId2" cstate="print"/>
           <a:srcRect t="22611" b="5096"/>
           <a:stretch/>
         </p:blipFill>
         <p:spPr>
           <a:xfrm>
-            <a:off x="4362450" y="2278063"/>
-            <a:ext cx="2279650" cy="2197369"/>
+            <a:off x="6058164" y="1966587"/>
+            <a:ext cx="2417081" cy="2329840"/>
           </a:xfrm>
           <a:prstGeom prst="rect">
             <a:avLst/>
@@ -3461,14 +3524,14 @@
           <p:nvPr/>
         </p:nvPicPr>
         <p:blipFill rotWithShape="1">
-          <a:blip r:embed="rId3"/>
+          <a:blip r:embed="rId3" cstate="print"/>
           <a:srcRect l="46771" t="40740" r="22292" b="5001"/>
           <a:stretch/>
         </p:blipFill>
         <p:spPr>
           <a:xfrm>
-            <a:off x="7436564" y="4762500"/>
-            <a:ext cx="2304335" cy="2273300"/>
+            <a:off x="6121332" y="4518621"/>
+            <a:ext cx="2371316" cy="2339379"/>
           </a:xfrm>
           <a:prstGeom prst="rect">
             <a:avLst/>
@@ -3478,13 +3541,20 @@
     </p:spTree>
     <p:extLst>
       <p:ext uri="{BB962C8B-B14F-4D97-AF65-F5344CB8AC3E}">
-        <p14:creationId xmlns:p14="http://schemas.microsoft.com/office/powerpoint/2010/main" val="3190396020"/>
+        <p14:creationId xmlns:p14="http://schemas.microsoft.com/office/powerpoint/2010/main" xmlns="" val="3190396020"/>
       </p:ext>
     </p:extLst>
   </p:cSld>
   <p:clrMapOvr>
     <a:masterClrMapping/>
   </p:clrMapOvr>
+  <p:timing>
+    <p:tnLst>
+      <p:par>
+        <p:cTn id="1" dur="indefinite" restart="never" nodeType="tmRoot"/>
+      </p:par>
+    </p:tnLst>
+  </p:timing>
 </p:sld>
 </file>
 
@@ -3544,8 +3614,8 @@
         </p:nvSpPr>
         <p:spPr>
           <a:xfrm>
-            <a:off x="12700" y="911225"/>
-            <a:ext cx="10515600" cy="4351338"/>
+            <a:off x="12699" y="911224"/>
+            <a:ext cx="8454895" cy="5946775"/>
           </a:xfrm>
         </p:spPr>
         <p:txBody>
@@ -3558,8 +3628,29 @@
               <a:buNone/>
             </a:pPr>
             <a:r>
-              <a:rPr lang="en-GB" sz="1800" dirty="0"/>
-              <a:t>Stack: Here, the timing of the button press is key. When it’s pressed determines how well you do. However, this has another use. It could be used to give the player more options if it also affected the players control-a constantly scrolling list could have an option selected by a single button press.</a:t>
+              <a:rPr lang="en-GB" sz="1800" dirty="0" smtClean="0"/>
+              <a:t>Stack</a:t>
+            </a:r>
+          </a:p>
+          <a:p>
+            <a:pPr marL="0" indent="0"/>
+            <a:r>
+              <a:rPr lang="en-GB" sz="1800" dirty="0" smtClean="0"/>
+              <a:t>Uses single taps</a:t>
+            </a:r>
+          </a:p>
+          <a:p>
+            <a:pPr marL="0" indent="0"/>
+            <a:r>
+              <a:rPr lang="en-GB" sz="1800" dirty="0" smtClean="0"/>
+              <a:t>Timing the button press is the main focus</a:t>
+            </a:r>
+          </a:p>
+          <a:p>
+            <a:pPr marL="0" indent="0"/>
+            <a:r>
+              <a:rPr lang="en-GB" sz="1800" dirty="0" smtClean="0"/>
+              <a:t>Poor performance makes the game become more difficult</a:t>
             </a:r>
           </a:p>
           <a:p>
@@ -3590,27 +3681,23 @@
             <a:pPr marL="0" indent="0">
               <a:buNone/>
             </a:pPr>
-            <a:endParaRPr lang="en-GB" sz="1800" dirty="0"/>
-          </a:p>
-          <a:p>
-            <a:pPr marL="0" indent="0">
-              <a:buNone/>
-            </a:pPr>
-            <a:endParaRPr lang="en-GB" sz="1800" dirty="0"/>
-          </a:p>
-          <a:p>
-            <a:pPr marL="0" indent="0">
-              <a:buNone/>
-            </a:pPr>
-            <a:endParaRPr lang="en-GB" sz="1800" dirty="0"/>
-          </a:p>
-          <a:p>
-            <a:pPr marL="0" indent="0">
-              <a:buNone/>
-            </a:pPr>
-            <a:r>
-              <a:rPr lang="en-GB" sz="1800" dirty="0"/>
-              <a:t>Dancing Line: This used other aspects of the game (specifically Audio in this case) to inform the player as to when they should use their single input. </a:t>
+            <a:r>
+              <a:rPr lang="en-GB" sz="1800" dirty="0" smtClean="0"/>
+              <a:t>Dancing Line </a:t>
+            </a:r>
+          </a:p>
+          <a:p>
+            <a:pPr marL="0" indent="0"/>
+            <a:r>
+              <a:rPr lang="en-GB" sz="1800" dirty="0" smtClean="0"/>
+              <a:t>Single taps to a rythm</a:t>
+            </a:r>
+          </a:p>
+          <a:p>
+            <a:pPr marL="0" indent="0"/>
+            <a:r>
+              <a:rPr lang="en-GB" sz="1800" dirty="0" smtClean="0"/>
+              <a:t>The rythm is set by the visuals and audio</a:t>
             </a:r>
           </a:p>
           <a:p>
@@ -3630,13 +3717,13 @@
           <p:nvPr/>
         </p:nvPicPr>
         <p:blipFill rotWithShape="1">
-          <a:blip r:embed="rId2"/>
+          <a:blip r:embed="rId2" cstate="print"/>
           <a:srcRect r="59383" b="30840"/>
           <a:stretch/>
         </p:blipFill>
         <p:spPr>
           <a:xfrm>
-            <a:off x="7404100" y="1471613"/>
+            <a:off x="5838346" y="231536"/>
             <a:ext cx="2770118" cy="2947987"/>
           </a:xfrm>
           <a:prstGeom prst="rect">
@@ -3653,14 +3740,14 @@
           <p:nvPr/>
         </p:nvPicPr>
         <p:blipFill rotWithShape="1">
-          <a:blip r:embed="rId3"/>
+          <a:blip r:embed="rId3" cstate="print"/>
           <a:srcRect t="21456" b="36973"/>
           <a:stretch/>
         </p:blipFill>
         <p:spPr>
           <a:xfrm>
-            <a:off x="4025900" y="4799013"/>
-            <a:ext cx="2781300" cy="2052865"/>
+            <a:off x="4296428" y="3743491"/>
+            <a:ext cx="3269294" cy="2413051"/>
           </a:xfrm>
           <a:prstGeom prst="rect">
             <a:avLst/>
@@ -3670,13 +3757,20 @@
     </p:spTree>
     <p:extLst>
       <p:ext uri="{BB962C8B-B14F-4D97-AF65-F5344CB8AC3E}">
-        <p14:creationId xmlns:p14="http://schemas.microsoft.com/office/powerpoint/2010/main" val="569315095"/>
+        <p14:creationId xmlns:p14="http://schemas.microsoft.com/office/powerpoint/2010/main" xmlns="" val="569315095"/>
       </p:ext>
     </p:extLst>
   </p:cSld>
   <p:clrMapOvr>
     <a:masterClrMapping/>
   </p:clrMapOvr>
+  <p:timing>
+    <p:tnLst>
+      <p:par>
+        <p:cTn id="1" dur="indefinite" restart="never" nodeType="tmRoot"/>
+      </p:par>
+    </p:tnLst>
+  </p:timing>
 </p:sld>
 </file>
 
@@ -3736,8 +3830,22 @@
           <a:p>
             <a:r>
               <a:rPr lang="en-GB" dirty="0"/>
-              <a:t>Roulette Fighter</a:t>
-            </a:r>
+              <a:t>Roulette </a:t>
+            </a:r>
+            <a:r>
+              <a:rPr lang="en-GB" dirty="0" smtClean="0"/>
+              <a:t>Fighter</a:t>
+            </a:r>
+          </a:p>
+          <a:p>
+            <a:pPr>
+              <a:buNone/>
+            </a:pPr>
+            <a:r>
+              <a:rPr lang="en-GB" dirty="0" smtClean="0"/>
+              <a:t>2d fighting game with spinning control wheel</a:t>
+            </a:r>
+            <a:endParaRPr lang="en-GB" dirty="0"/>
           </a:p>
           <a:p>
             <a:endParaRPr lang="en-GB" dirty="0"/>
@@ -3749,26 +3857,59 @@
             </a:r>
           </a:p>
           <a:p>
+            <a:pPr>
+              <a:buNone/>
+            </a:pPr>
+            <a:r>
+              <a:rPr lang="en-GB" dirty="0" smtClean="0"/>
+              <a:t>Downhill race using gravity to swing the players around</a:t>
+            </a:r>
+          </a:p>
+          <a:p>
+            <a:pPr>
+              <a:buNone/>
+            </a:pPr>
             <a:endParaRPr lang="en-GB" dirty="0"/>
           </a:p>
           <a:p>
             <a:r>
               <a:rPr lang="en-GB" dirty="0"/>
-              <a:t>Sub Game</a:t>
-            </a:r>
+              <a:t>Sub </a:t>
+            </a:r>
+            <a:r>
+              <a:rPr lang="en-GB" dirty="0" smtClean="0"/>
+              <a:t>Game</a:t>
+            </a:r>
+          </a:p>
+          <a:p>
+            <a:pPr>
+              <a:buNone/>
+            </a:pPr>
+            <a:r>
+              <a:rPr lang="en-GB" dirty="0" smtClean="0"/>
+              <a:t>Submarine battle focusing on vertical movement and evasion</a:t>
+            </a:r>
+            <a:endParaRPr lang="en-GB" dirty="0"/>
           </a:p>
         </p:txBody>
       </p:sp>
     </p:spTree>
     <p:extLst>
       <p:ext uri="{BB962C8B-B14F-4D97-AF65-F5344CB8AC3E}">
-        <p14:creationId xmlns:p14="http://schemas.microsoft.com/office/powerpoint/2010/main" val="3660633963"/>
+        <p14:creationId xmlns:p14="http://schemas.microsoft.com/office/powerpoint/2010/main" xmlns="" val="3660633963"/>
       </p:ext>
     </p:extLst>
   </p:cSld>
   <p:clrMapOvr>
     <a:masterClrMapping/>
   </p:clrMapOvr>
+  <p:timing>
+    <p:tnLst>
+      <p:par>
+        <p:cTn id="1" dur="indefinite" restart="never" nodeType="tmRoot"/>
+      </p:par>
+    </p:tnLst>
+  </p:timing>
 </p:sld>
 </file>
 
@@ -3794,7 +3935,7 @@
           <p:cNvPr id="2" name="Title 1">
             <a:extLst>
               <a:ext uri="{FF2B5EF4-FFF2-40B4-BE49-F238E27FC236}">
-                <a16:creationId xmlns:a16="http://schemas.microsoft.com/office/drawing/2014/main" id="{C9F64C03-71C0-4785-876A-A600C69DFD50}"/>
+                <a16:creationId xmlns:a16="http://schemas.microsoft.com/office/drawing/2014/main" xmlns="" id="{C9F64C03-71C0-4785-876A-A600C69DFD50}"/>
               </a:ext>
             </a:extLst>
           </p:cNvPr>
@@ -3822,7 +3963,7 @@
           <p:cNvPr id="3" name="Content Placeholder 2">
             <a:extLst>
               <a:ext uri="{FF2B5EF4-FFF2-40B4-BE49-F238E27FC236}">
-                <a16:creationId xmlns:a16="http://schemas.microsoft.com/office/drawing/2014/main" id="{D7C9B9C9-E967-4280-A219-C1AC4F3BD374}"/>
+                <a16:creationId xmlns:a16="http://schemas.microsoft.com/office/drawing/2014/main" xmlns="" id="{D7C9B9C9-E967-4280-A219-C1AC4F3BD374}"/>
               </a:ext>
             </a:extLst>
           </p:cNvPr>
@@ -3878,16 +4019,49 @@
           </a:p>
         </p:txBody>
       </p:sp>
+      <p:pic>
+        <p:nvPicPr>
+          <p:cNvPr id="3075" name="Picture 3" descr="E:\Design Masterclass\Example Image Roulette Fighter.png"/>
+          <p:cNvPicPr>
+            <a:picLocks noChangeAspect="1" noChangeArrowheads="1"/>
+          </p:cNvPicPr>
+          <p:nvPr/>
+        </p:nvPicPr>
+        <p:blipFill>
+          <a:blip r:embed="rId2" cstate="print"/>
+          <a:srcRect/>
+          <a:stretch>
+            <a:fillRect/>
+          </a:stretch>
+        </p:blipFill>
+        <p:spPr bwMode="auto">
+          <a:xfrm>
+            <a:off x="8317282" y="1"/>
+            <a:ext cx="3874717" cy="2899394"/>
+          </a:xfrm>
+          <a:prstGeom prst="rect">
+            <a:avLst/>
+          </a:prstGeom>
+          <a:noFill/>
+        </p:spPr>
+      </p:pic>
     </p:spTree>
     <p:extLst>
       <p:ext uri="{BB962C8B-B14F-4D97-AF65-F5344CB8AC3E}">
-        <p14:creationId xmlns:p14="http://schemas.microsoft.com/office/powerpoint/2010/main" val="3457781803"/>
+        <p14:creationId xmlns:p14="http://schemas.microsoft.com/office/powerpoint/2010/main" xmlns="" val="3457781803"/>
       </p:ext>
     </p:extLst>
   </p:cSld>
   <p:clrMapOvr>
     <a:masterClrMapping/>
   </p:clrMapOvr>
+  <p:timing>
+    <p:tnLst>
+      <p:par>
+        <p:cTn id="1" dur="indefinite" restart="never" nodeType="tmRoot"/>
+      </p:par>
+    </p:tnLst>
+  </p:timing>
 </p:sld>
 </file>
 
@@ -3913,7 +4087,7 @@
           <p:cNvPr id="2" name="Title 1">
             <a:extLst>
               <a:ext uri="{FF2B5EF4-FFF2-40B4-BE49-F238E27FC236}">
-                <a16:creationId xmlns:a16="http://schemas.microsoft.com/office/drawing/2014/main" id="{F1DB760A-20CA-4DFF-92BF-EA6F0F2AB881}"/>
+                <a16:creationId xmlns:a16="http://schemas.microsoft.com/office/drawing/2014/main" xmlns="" id="{F1DB760A-20CA-4DFF-92BF-EA6F0F2AB881}"/>
               </a:ext>
             </a:extLst>
           </p:cNvPr>
@@ -3941,7 +4115,7 @@
           <p:cNvPr id="3" name="Content Placeholder 2">
             <a:extLst>
               <a:ext uri="{FF2B5EF4-FFF2-40B4-BE49-F238E27FC236}">
-                <a16:creationId xmlns:a16="http://schemas.microsoft.com/office/drawing/2014/main" id="{20167D46-7CFB-414A-8BE8-91429E10AE3D}"/>
+                <a16:creationId xmlns:a16="http://schemas.microsoft.com/office/drawing/2014/main" xmlns="" id="{20167D46-7CFB-414A-8BE8-91429E10AE3D}"/>
               </a:ext>
             </a:extLst>
           </p:cNvPr>
@@ -3958,9 +4132,10 @@
           <a:lstStyle/>
           <a:p>
             <a:r>
-              <a:rPr lang="en-GB" dirty="0"/>
-              <a:t>Turn Based (But could be simultaneous)</a:t>
-            </a:r>
+              <a:rPr lang="en-GB" dirty="0" smtClean="0"/>
+              <a:t>Simultanious</a:t>
+            </a:r>
+            <a:endParaRPr lang="en-GB" dirty="0"/>
           </a:p>
           <a:p>
             <a:r>
@@ -3977,20 +4152,38 @@
           <a:p>
             <a:r>
               <a:rPr lang="en-GB" dirty="0"/>
-              <a:t>Would be a downhill time trial race</a:t>
-            </a:r>
+              <a:t>Would be a downhill </a:t>
+            </a:r>
+            <a:r>
+              <a:rPr lang="en-GB" dirty="0" smtClean="0"/>
+              <a:t>race, with players gaining points by getting far enough ahead of their opponent</a:t>
+            </a:r>
+            <a:endParaRPr lang="en-GB" dirty="0"/>
           </a:p>
           <a:p>
             <a:r>
               <a:rPr lang="en-GB" dirty="0"/>
-              <a:t>Core Loop: Player falls, Player collects and swings, Player releases</a:t>
-            </a:r>
-          </a:p>
-          <a:p>
+              <a:t>Core Loop: Player falls, Player </a:t>
+            </a:r>
+            <a:r>
+              <a:rPr lang="en-GB" dirty="0" smtClean="0"/>
+              <a:t>connects </a:t>
+            </a:r>
             <a:r>
               <a:rPr lang="en-GB" dirty="0"/>
-              <a:t>Hard Fun/Serious Fun/People fun (if it was simultaneous)</a:t>
-            </a:r>
+              <a:t>and swings, Player releases</a:t>
+            </a:r>
+          </a:p>
+          <a:p>
+            <a:r>
+              <a:rPr lang="en-GB" dirty="0"/>
+              <a:t>Hard Fun/Serious Fun/People </a:t>
+            </a:r>
+            <a:r>
+              <a:rPr lang="en-GB" dirty="0" smtClean="0"/>
+              <a:t>fun</a:t>
+            </a:r>
+            <a:endParaRPr lang="en-GB" dirty="0"/>
           </a:p>
           <a:p>
             <a:pPr marL="0" indent="0">
@@ -4000,16 +4193,49 @@
           </a:p>
         </p:txBody>
       </p:sp>
+      <p:pic>
+        <p:nvPicPr>
+          <p:cNvPr id="1026" name="Picture 2" descr="E:\Design Masterclass\Example Image Gravity Line.png"/>
+          <p:cNvPicPr>
+            <a:picLocks noChangeAspect="1" noChangeArrowheads="1"/>
+          </p:cNvPicPr>
+          <p:nvPr/>
+        </p:nvPicPr>
+        <p:blipFill>
+          <a:blip r:embed="rId2" cstate="print"/>
+          <a:srcRect/>
+          <a:stretch>
+            <a:fillRect/>
+          </a:stretch>
+        </p:blipFill>
+        <p:spPr bwMode="auto">
+          <a:xfrm>
+            <a:off x="8267179" y="0"/>
+            <a:ext cx="3924822" cy="2943821"/>
+          </a:xfrm>
+          <a:prstGeom prst="rect">
+            <a:avLst/>
+          </a:prstGeom>
+          <a:noFill/>
+        </p:spPr>
+      </p:pic>
     </p:spTree>
     <p:extLst>
       <p:ext uri="{BB962C8B-B14F-4D97-AF65-F5344CB8AC3E}">
-        <p14:creationId xmlns:p14="http://schemas.microsoft.com/office/powerpoint/2010/main" val="2877902359"/>
+        <p14:creationId xmlns:p14="http://schemas.microsoft.com/office/powerpoint/2010/main" xmlns="" val="2877902359"/>
       </p:ext>
     </p:extLst>
   </p:cSld>
   <p:clrMapOvr>
     <a:masterClrMapping/>
   </p:clrMapOvr>
+  <p:timing>
+    <p:tnLst>
+      <p:par>
+        <p:cTn id="1" dur="indefinite" restart="never" nodeType="tmRoot"/>
+      </p:par>
+    </p:tnLst>
+  </p:timing>
 </p:sld>
 </file>
 
@@ -4035,7 +4261,7 @@
           <p:cNvPr id="2" name="Title 1">
             <a:extLst>
               <a:ext uri="{FF2B5EF4-FFF2-40B4-BE49-F238E27FC236}">
-                <a16:creationId xmlns:a16="http://schemas.microsoft.com/office/drawing/2014/main" id="{18E0B702-F876-48F5-93CA-017EDF2B954A}"/>
+                <a16:creationId xmlns:a16="http://schemas.microsoft.com/office/drawing/2014/main" xmlns="" id="{18E0B702-F876-48F5-93CA-017EDF2B954A}"/>
               </a:ext>
             </a:extLst>
           </p:cNvPr>
@@ -4063,7 +4289,7 @@
           <p:cNvPr id="3" name="Content Placeholder 2">
             <a:extLst>
               <a:ext uri="{FF2B5EF4-FFF2-40B4-BE49-F238E27FC236}">
-                <a16:creationId xmlns:a16="http://schemas.microsoft.com/office/drawing/2014/main" id="{82DAE1E7-3241-4B98-AD44-20D93B65B3F4}"/>
+                <a16:creationId xmlns:a16="http://schemas.microsoft.com/office/drawing/2014/main" xmlns="" id="{82DAE1E7-3241-4B98-AD44-20D93B65B3F4}"/>
               </a:ext>
             </a:extLst>
           </p:cNvPr>
@@ -4076,7 +4302,9 @@
         </p:nvSpPr>
         <p:spPr/>
         <p:txBody>
-          <a:bodyPr/>
+          <a:bodyPr>
+            <a:normAutofit/>
+          </a:bodyPr>
           <a:lstStyle/>
           <a:p>
             <a:r>
@@ -4092,28 +4320,64 @@
           </a:p>
           <a:p>
             <a:r>
+              <a:rPr lang="en-GB" dirty="0" smtClean="0"/>
+              <a:t>Tapping and holding </a:t>
+            </a:r>
+            <a:r>
               <a:rPr lang="en-GB" dirty="0"/>
-              <a:t>Tapping causes it to dive and fire a torpedo across the screen</a:t>
-            </a:r>
-          </a:p>
-          <a:p>
+              <a:t>causes </a:t>
+            </a:r>
+            <a:r>
+              <a:rPr lang="en-GB" dirty="0" smtClean="0"/>
+              <a:t>the player’s sub</a:t>
+            </a:r>
+            <a:r>
+              <a:rPr lang="en-GB" dirty="0" smtClean="0"/>
+              <a:t> </a:t>
+            </a:r>
             <a:r>
               <a:rPr lang="en-GB" dirty="0"/>
-              <a:t>Various obstacles such as seaweed that would slow movement, mines that detonate when hit and sand on the bottom that obscures vision when hit. </a:t>
-            </a:r>
-          </a:p>
-          <a:p>
+              <a:t>to </a:t>
+            </a:r>
+            <a:r>
+              <a:rPr lang="en-GB" dirty="0" smtClean="0"/>
+              <a:t>dive </a:t>
+            </a:r>
+          </a:p>
+          <a:p>
+            <a:r>
+              <a:rPr lang="en-GB" dirty="0" smtClean="0"/>
+              <a:t>Releasing causes it to </a:t>
+            </a:r>
+            <a:r>
+              <a:rPr lang="en-GB" dirty="0" smtClean="0"/>
+              <a:t>fire </a:t>
+            </a:r>
             <a:r>
               <a:rPr lang="en-GB" dirty="0"/>
-              <a:t>Core Loop: Player taps to </a:t>
-            </a:r>
-            <a:r>
-              <a:rPr lang="en-GB"/>
-              <a:t>position themselves, </a:t>
-            </a:r>
+              <a:t>a torpedo across the </a:t>
+            </a:r>
+            <a:r>
+              <a:rPr lang="en-GB" dirty="0" smtClean="0"/>
+              <a:t>screen</a:t>
+            </a:r>
+            <a:endParaRPr lang="en-GB" dirty="0"/>
+          </a:p>
+          <a:p>
             <a:r>
               <a:rPr lang="en-GB" dirty="0"/>
-              <a:t>Torpedoes are launched, Players attempt to evade.</a:t>
+              <a:t>Various obstacles such as </a:t>
+            </a:r>
+            <a:r>
+              <a:rPr lang="en-GB" dirty="0" smtClean="0"/>
+              <a:t>seaweed, naval mines ect.</a:t>
+            </a:r>
+            <a:endParaRPr lang="en-GB" dirty="0"/>
+          </a:p>
+          <a:p>
+            <a:r>
+              <a:rPr lang="en-GB" dirty="0"/>
+              <a:t>Core Loop: Player taps to position themselves, Torpedoes are launched, Players attempt to evade.</a:t>
             </a:r>
           </a:p>
           <a:p>
@@ -4124,16 +4388,49 @@
           </a:p>
         </p:txBody>
       </p:sp>
+      <p:pic>
+        <p:nvPicPr>
+          <p:cNvPr id="2050" name="Picture 2" descr="E:\Design Masterclass\Example Image Sub Game.png"/>
+          <p:cNvPicPr>
+            <a:picLocks noChangeAspect="1" noChangeArrowheads="1"/>
+          </p:cNvPicPr>
+          <p:nvPr/>
+        </p:nvPicPr>
+        <p:blipFill>
+          <a:blip r:embed="rId2" cstate="print"/>
+          <a:srcRect/>
+          <a:stretch>
+            <a:fillRect/>
+          </a:stretch>
+        </p:blipFill>
+        <p:spPr bwMode="auto">
+          <a:xfrm>
+            <a:off x="8417490" y="0"/>
+            <a:ext cx="3774510" cy="2831079"/>
+          </a:xfrm>
+          <a:prstGeom prst="rect">
+            <a:avLst/>
+          </a:prstGeom>
+          <a:noFill/>
+        </p:spPr>
+      </p:pic>
     </p:spTree>
     <p:extLst>
       <p:ext uri="{BB962C8B-B14F-4D97-AF65-F5344CB8AC3E}">
-        <p14:creationId xmlns:p14="http://schemas.microsoft.com/office/powerpoint/2010/main" val="1634249256"/>
+        <p14:creationId xmlns:p14="http://schemas.microsoft.com/office/powerpoint/2010/main" xmlns="" val="1634249256"/>
       </p:ext>
     </p:extLst>
   </p:cSld>
   <p:clrMapOvr>
     <a:masterClrMapping/>
   </p:clrMapOvr>
+  <p:timing>
+    <p:tnLst>
+      <p:par>
+        <p:cTn id="1" dur="indefinite" restart="never" nodeType="tmRoot"/>
+      </p:par>
+    </p:tnLst>
+  </p:timing>
 </p:sld>
 </file>
 
@@ -4159,7 +4456,7 @@
           <p:cNvPr id="2" name="Title 1">
             <a:extLst>
               <a:ext uri="{FF2B5EF4-FFF2-40B4-BE49-F238E27FC236}">
-                <a16:creationId xmlns:a16="http://schemas.microsoft.com/office/drawing/2014/main" id="{777216F3-EBC6-4148-B7D5-8E1FC308E5F8}"/>
+                <a16:creationId xmlns:a16="http://schemas.microsoft.com/office/drawing/2014/main" xmlns="" id="{777216F3-EBC6-4148-B7D5-8E1FC308E5F8}"/>
               </a:ext>
             </a:extLst>
           </p:cNvPr>
@@ -4187,7 +4484,7 @@
           <p:cNvPr id="3" name="Content Placeholder 2">
             <a:extLst>
               <a:ext uri="{FF2B5EF4-FFF2-40B4-BE49-F238E27FC236}">
-                <a16:creationId xmlns:a16="http://schemas.microsoft.com/office/drawing/2014/main" id="{714F4AD2-4668-4458-AE4B-03618FB27AB0}"/>
+                <a16:creationId xmlns:a16="http://schemas.microsoft.com/office/drawing/2014/main" xmlns="" id="{714F4AD2-4668-4458-AE4B-03618FB27AB0}"/>
               </a:ext>
             </a:extLst>
           </p:cNvPr>
@@ -4238,7 +4535,31 @@
             </a:pPr>
             <a:r>
               <a:rPr lang="en-GB" dirty="0"/>
-              <a:t>Lots of options for obstacles and possible unlockable submarines.</a:t>
+              <a:t>Lots of </a:t>
+            </a:r>
+            <a:r>
+              <a:rPr lang="en-GB" dirty="0" smtClean="0"/>
+              <a:t>flexibility</a:t>
+            </a:r>
+            <a:r>
+              <a:rPr lang="en-GB" dirty="0" smtClean="0"/>
+              <a:t> </a:t>
+            </a:r>
+            <a:r>
+              <a:rPr lang="en-GB" dirty="0"/>
+              <a:t>for obstacles and possible </a:t>
+            </a:r>
+            <a:r>
+              <a:rPr lang="en-GB" dirty="0" smtClean="0"/>
+              <a:t>alternate</a:t>
+            </a:r>
+            <a:r>
+              <a:rPr lang="en-GB" dirty="0" smtClean="0"/>
+              <a:t> </a:t>
+            </a:r>
+            <a:r>
+              <a:rPr lang="en-GB" dirty="0"/>
+              <a:t>submarines.</a:t>
             </a:r>
           </a:p>
           <a:p>
@@ -4261,13 +4582,20 @@
     </p:spTree>
     <p:extLst>
       <p:ext uri="{BB962C8B-B14F-4D97-AF65-F5344CB8AC3E}">
-        <p14:creationId xmlns:p14="http://schemas.microsoft.com/office/powerpoint/2010/main" val="2226672247"/>
+        <p14:creationId xmlns:p14="http://schemas.microsoft.com/office/powerpoint/2010/main" xmlns="" val="2226672247"/>
       </p:ext>
     </p:extLst>
   </p:cSld>
   <p:clrMapOvr>
     <a:masterClrMapping/>
   </p:clrMapOvr>
+  <p:timing>
+    <p:tnLst>
+      <p:par>
+        <p:cTn id="1" dur="indefinite" restart="never" nodeType="tmRoot"/>
+      </p:par>
+    </p:tnLst>
+  </p:timing>
 </p:sld>
 </file>
 
@@ -4314,7 +4642,7 @@
     </a:clrScheme>
     <a:fontScheme name="Office">
       <a:majorFont>
-        <a:latin typeface="Calibri Light" panose="020F0302020204030204"/>
+        <a:latin typeface="Calibri Light"/>
         <a:ea typeface=""/>
         <a:cs typeface=""/>
         <a:font script="Jpan" typeface="ＭＳ Ｐゴシック"/>
@@ -4349,7 +4677,7 @@
         <a:font script="Geor" typeface="Sylfaen"/>
       </a:majorFont>
       <a:minorFont>
-        <a:latin typeface="Calibri" panose="020F0502020204030204"/>
+        <a:latin typeface="Calibri"/>
         <a:ea typeface=""/>
         <a:cs typeface=""/>
         <a:font script="Jpan" typeface="ＭＳ Ｐゴシック"/>
@@ -4526,7 +4854,7 @@
   <a:extraClrSchemeLst/>
   <a:extLst>
     <a:ext uri="{05A4C25C-085E-4340-85A3-A5531E510DB2}">
-      <thm15:themeFamily xmlns:thm15="http://schemas.microsoft.com/office/thememl/2012/main" name="Office Theme" id="{62F939B6-93AF-4DB8-9C6B-D6C7DFDC589F}" vid="{4A3C46E8-61CC-4603-A589-7422A47A8E4A}"/>
+      <thm15:themeFamily xmlns:thm15="http://schemas.microsoft.com/office/thememl/2012/main" xmlns="" name="Office Theme" id="{62F939B6-93AF-4DB8-9C6B-D6C7DFDC589F}" vid="{4A3C46E8-61CC-4603-A589-7422A47A8E4A}"/>
     </a:ext>
   </a:extLst>
 </a:theme>
